--- a/en/ProgrammingLessons/SPIKEPrimevsEV3.pptx
+++ b/en/ProgrammingLessons/SPIKEPrimevsEV3.pptx
@@ -37,14 +37,14 @@
   <p:notesSz cx="6858000" cy="9144000"/>
   <p:embeddedFontLst>
     <p:embeddedFont>
-      <p:font typeface="Barlow Light" pitchFamily="2" charset="77"/>
+      <p:font typeface="Barlow Light" panose="020B0604020202020204" charset="0"/>
       <p:regular r:id="rId27"/>
       <p:bold r:id="rId28"/>
       <p:italic r:id="rId29"/>
       <p:boldItalic r:id="rId30"/>
     </p:embeddedFont>
     <p:embeddedFont>
-      <p:font typeface="Barlow SemiBold" pitchFamily="2" charset="77"/>
+      <p:font typeface="Barlow SemiBold" panose="020B0604020202020204" charset="0"/>
       <p:regular r:id="rId31"/>
       <p:bold r:id="rId32"/>
       <p:italic r:id="rId33"/>
@@ -13358,7 +13358,7 @@
   <p:transition>
     <p:fade thruBlk="1"/>
   </p:transition>
-  <p:hf sldNum="0" hdr="0" dt="0"/>
+  <p:hf hdr="0" ftr="0" dt="0"/>
   <p:txStyles>
     <p:titleStyle>
       <a:defPPr marR="0" lvl="0" algn="l" rtl="0">
@@ -14441,6 +14441,44 @@
           </a:extLst>
         </p:spPr>
       </p:pic>
+      <p:sp>
+        <p:nvSpPr>
+          <p:cNvPr id="2" name="Slide Number Placeholder 1">
+            <a:extLst>
+              <a:ext uri="{FF2B5EF4-FFF2-40B4-BE49-F238E27FC236}">
+                <a16:creationId xmlns:a16="http://schemas.microsoft.com/office/drawing/2014/main" id="{18EA232C-B54B-44EA-AB2E-26671145255A}"/>
+              </a:ext>
+            </a:extLst>
+          </p:cNvPr>
+          <p:cNvSpPr>
+            <a:spLocks noGrp="1"/>
+          </p:cNvSpPr>
+          <p:nvPr>
+            <p:ph type="sldNum" idx="12"/>
+          </p:nvPr>
+        </p:nvSpPr>
+        <p:spPr/>
+        <p:txBody>
+          <a:bodyPr/>
+          <a:lstStyle/>
+          <a:p>
+            <a:pPr marL="0" lvl="0" indent="0" algn="ctr" rtl="0">
+              <a:spcBef>
+                <a:spcPts val="0"/>
+              </a:spcBef>
+              <a:spcAft>
+                <a:spcPts val="0"/>
+              </a:spcAft>
+              <a:buNone/>
+            </a:pPr>
+            <a:fld id="{00000000-1234-1234-1234-123412341234}" type="slidenum">
+              <a:rPr lang="en" smtClean="0"/>
+              <a:t>10</a:t>
+            </a:fld>
+            <a:endParaRPr lang="en"/>
+          </a:p>
+        </p:txBody>
+      </p:sp>
     </p:spTree>
     <p:extLst>
       <p:ext uri="{BB962C8B-B14F-4D97-AF65-F5344CB8AC3E}">
@@ -14656,6 +14694,44 @@
           </a:prstGeom>
         </p:spPr>
       </p:pic>
+      <p:sp>
+        <p:nvSpPr>
+          <p:cNvPr id="3" name="Slide Number Placeholder 2">
+            <a:extLst>
+              <a:ext uri="{FF2B5EF4-FFF2-40B4-BE49-F238E27FC236}">
+                <a16:creationId xmlns:a16="http://schemas.microsoft.com/office/drawing/2014/main" id="{DBFBA234-4946-489A-BD2B-B235E375C9D4}"/>
+              </a:ext>
+            </a:extLst>
+          </p:cNvPr>
+          <p:cNvSpPr>
+            <a:spLocks noGrp="1"/>
+          </p:cNvSpPr>
+          <p:nvPr>
+            <p:ph type="sldNum" idx="12"/>
+          </p:nvPr>
+        </p:nvSpPr>
+        <p:spPr/>
+        <p:txBody>
+          <a:bodyPr/>
+          <a:lstStyle/>
+          <a:p>
+            <a:pPr marL="0" lvl="0" indent="0" algn="ctr" rtl="0">
+              <a:spcBef>
+                <a:spcPts val="0"/>
+              </a:spcBef>
+              <a:spcAft>
+                <a:spcPts val="0"/>
+              </a:spcAft>
+              <a:buNone/>
+            </a:pPr>
+            <a:fld id="{00000000-1234-1234-1234-123412341234}" type="slidenum">
+              <a:rPr lang="en" smtClean="0"/>
+              <a:t>11</a:t>
+            </a:fld>
+            <a:endParaRPr lang="en"/>
+          </a:p>
+        </p:txBody>
+      </p:sp>
     </p:spTree>
     <p:extLst>
       <p:ext uri="{BB962C8B-B14F-4D97-AF65-F5344CB8AC3E}">
@@ -14880,6 +14956,44 @@
           </a:prstGeom>
         </p:spPr>
       </p:pic>
+      <p:sp>
+        <p:nvSpPr>
+          <p:cNvPr id="2" name="Slide Number Placeholder 1">
+            <a:extLst>
+              <a:ext uri="{FF2B5EF4-FFF2-40B4-BE49-F238E27FC236}">
+                <a16:creationId xmlns:a16="http://schemas.microsoft.com/office/drawing/2014/main" id="{8C35A605-E70E-44FD-94FF-49C84909792E}"/>
+              </a:ext>
+            </a:extLst>
+          </p:cNvPr>
+          <p:cNvSpPr>
+            <a:spLocks noGrp="1"/>
+          </p:cNvSpPr>
+          <p:nvPr>
+            <p:ph type="sldNum" idx="12"/>
+          </p:nvPr>
+        </p:nvSpPr>
+        <p:spPr/>
+        <p:txBody>
+          <a:bodyPr/>
+          <a:lstStyle/>
+          <a:p>
+            <a:pPr marL="0" lvl="0" indent="0" algn="ctr" rtl="0">
+              <a:spcBef>
+                <a:spcPts val="0"/>
+              </a:spcBef>
+              <a:spcAft>
+                <a:spcPts val="0"/>
+              </a:spcAft>
+              <a:buNone/>
+            </a:pPr>
+            <a:fld id="{00000000-1234-1234-1234-123412341234}" type="slidenum">
+              <a:rPr lang="en" smtClean="0"/>
+              <a:t>12</a:t>
+            </a:fld>
+            <a:endParaRPr lang="en"/>
+          </a:p>
+        </p:txBody>
+      </p:sp>
     </p:spTree>
     <p:extLst>
       <p:ext uri="{BB962C8B-B14F-4D97-AF65-F5344CB8AC3E}">
@@ -15094,6 +15208,44 @@
           </a:p>
         </p:txBody>
       </p:sp>
+      <p:sp>
+        <p:nvSpPr>
+          <p:cNvPr id="5" name="Slide Number Placeholder 4">
+            <a:extLst>
+              <a:ext uri="{FF2B5EF4-FFF2-40B4-BE49-F238E27FC236}">
+                <a16:creationId xmlns:a16="http://schemas.microsoft.com/office/drawing/2014/main" id="{1EC0DAC8-81BD-4F72-ACF8-AE228205053B}"/>
+              </a:ext>
+            </a:extLst>
+          </p:cNvPr>
+          <p:cNvSpPr>
+            <a:spLocks noGrp="1"/>
+          </p:cNvSpPr>
+          <p:nvPr>
+            <p:ph type="sldNum" idx="12"/>
+          </p:nvPr>
+        </p:nvSpPr>
+        <p:spPr/>
+        <p:txBody>
+          <a:bodyPr/>
+          <a:lstStyle/>
+          <a:p>
+            <a:pPr marL="0" lvl="0" indent="0" algn="ctr" rtl="0">
+              <a:spcBef>
+                <a:spcPts val="0"/>
+              </a:spcBef>
+              <a:spcAft>
+                <a:spcPts val="0"/>
+              </a:spcAft>
+              <a:buNone/>
+            </a:pPr>
+            <a:fld id="{00000000-1234-1234-1234-123412341234}" type="slidenum">
+              <a:rPr lang="en" smtClean="0"/>
+              <a:t>13</a:t>
+            </a:fld>
+            <a:endParaRPr lang="en"/>
+          </a:p>
+        </p:txBody>
+      </p:sp>
     </p:spTree>
     <p:extLst>
       <p:ext uri="{BB962C8B-B14F-4D97-AF65-F5344CB8AC3E}">
@@ -15183,37 +15335,63 @@
         <p:spPr>
           <a:xfrm>
             <a:off x="810546" y="1455438"/>
-            <a:ext cx="7693753" cy="2890200"/>
+            <a:ext cx="7693753" cy="3688062"/>
           </a:xfrm>
         </p:spPr>
         <p:txBody>
+          <a:bodyPr>
+            <a:normAutofit/>
+          </a:bodyPr>
+          <a:lstStyle/>
+          <a:p>
+            <a:r>
+              <a:rPr lang="en-US" dirty="0"/>
+              <a:t>Code fails to download with very large programs</a:t>
+            </a:r>
+          </a:p>
+          <a:p>
+            <a:r>
+              <a:rPr lang="en-US" dirty="0"/>
+              <a:t>The latest version of the software provides a warning when the limit is reached and does not allow you to download the code to your robot.</a:t>
+            </a:r>
+          </a:p>
+        </p:txBody>
+      </p:sp>
+      <p:sp>
+        <p:nvSpPr>
+          <p:cNvPr id="4" name="Slide Number Placeholder 3">
+            <a:extLst>
+              <a:ext uri="{FF2B5EF4-FFF2-40B4-BE49-F238E27FC236}">
+                <a16:creationId xmlns:a16="http://schemas.microsoft.com/office/drawing/2014/main" id="{06717342-3F00-43E8-8849-7BE9DBC6A918}"/>
+              </a:ext>
+            </a:extLst>
+          </p:cNvPr>
+          <p:cNvSpPr>
+            <a:spLocks noGrp="1"/>
+          </p:cNvSpPr>
+          <p:nvPr>
+            <p:ph type="sldNum" idx="12"/>
+          </p:nvPr>
+        </p:nvSpPr>
+        <p:spPr/>
+        <p:txBody>
           <a:bodyPr/>
           <a:lstStyle/>
           <a:p>
-            <a:r>
-              <a:rPr lang="en-US" dirty="0"/>
-              <a:t>At some project size (we have seen this in programs as small as 100 blocks), the program starts to fail</a:t>
-            </a:r>
-          </a:p>
-          <a:p>
-            <a:pPr lvl="1"/>
-            <a:r>
-              <a:rPr lang="en-US" dirty="0"/>
-              <a:t>The motors and sensors disconnect when the program starts and then reconnect. Code run while sensors/motors are disconnected fail to run correctly.</a:t>
-            </a:r>
-          </a:p>
-          <a:p>
-            <a:pPr lvl="1"/>
-            <a:r>
-              <a:rPr lang="en-US" dirty="0"/>
-              <a:t>For even larger programs, the code may not download at all</a:t>
-            </a:r>
-          </a:p>
-          <a:p>
-            <a:r>
-              <a:rPr lang="en-US" dirty="0"/>
-              <a:t>Workaround: Teams will need to wait at the beginning of their code for sensors and motors to reconnect</a:t>
-            </a:r>
+            <a:pPr marL="0" lvl="0" indent="0" algn="ctr" rtl="0">
+              <a:spcBef>
+                <a:spcPts val="0"/>
+              </a:spcBef>
+              <a:spcAft>
+                <a:spcPts val="0"/>
+              </a:spcAft>
+              <a:buNone/>
+            </a:pPr>
+            <a:fld id="{00000000-1234-1234-1234-123412341234}" type="slidenum">
+              <a:rPr lang="en" smtClean="0"/>
+              <a:t>14</a:t>
+            </a:fld>
+            <a:endParaRPr lang="en"/>
           </a:p>
         </p:txBody>
       </p:sp>
@@ -15417,6 +15595,44 @@
           </a:p>
         </p:txBody>
       </p:sp>
+      <p:sp>
+        <p:nvSpPr>
+          <p:cNvPr id="2" name="Slide Number Placeholder 1">
+            <a:extLst>
+              <a:ext uri="{FF2B5EF4-FFF2-40B4-BE49-F238E27FC236}">
+                <a16:creationId xmlns:a16="http://schemas.microsoft.com/office/drawing/2014/main" id="{2CF6C7E1-E1FA-4691-9AF5-75E039C22FC6}"/>
+              </a:ext>
+            </a:extLst>
+          </p:cNvPr>
+          <p:cNvSpPr>
+            <a:spLocks noGrp="1"/>
+          </p:cNvSpPr>
+          <p:nvPr>
+            <p:ph type="sldNum" idx="12"/>
+          </p:nvPr>
+        </p:nvSpPr>
+        <p:spPr/>
+        <p:txBody>
+          <a:bodyPr/>
+          <a:lstStyle/>
+          <a:p>
+            <a:pPr marL="0" lvl="0" indent="0" algn="ctr" rtl="0">
+              <a:spcBef>
+                <a:spcPts val="0"/>
+              </a:spcBef>
+              <a:spcAft>
+                <a:spcPts val="0"/>
+              </a:spcAft>
+              <a:buNone/>
+            </a:pPr>
+            <a:fld id="{00000000-1234-1234-1234-123412341234}" type="slidenum">
+              <a:rPr lang="en" smtClean="0"/>
+              <a:t>15</a:t>
+            </a:fld>
+            <a:endParaRPr lang="en"/>
+          </a:p>
+        </p:txBody>
+      </p:sp>
     </p:spTree>
     <p:extLst>
       <p:ext uri="{BB962C8B-B14F-4D97-AF65-F5344CB8AC3E}">
@@ -15728,6 +15944,44 @@
           </a:p>
         </p:txBody>
       </p:sp>
+      <p:sp>
+        <p:nvSpPr>
+          <p:cNvPr id="2" name="Slide Number Placeholder 1">
+            <a:extLst>
+              <a:ext uri="{FF2B5EF4-FFF2-40B4-BE49-F238E27FC236}">
+                <a16:creationId xmlns:a16="http://schemas.microsoft.com/office/drawing/2014/main" id="{3E628CAA-FC60-44EF-885D-D7E2222185C1}"/>
+              </a:ext>
+            </a:extLst>
+          </p:cNvPr>
+          <p:cNvSpPr>
+            <a:spLocks noGrp="1"/>
+          </p:cNvSpPr>
+          <p:nvPr>
+            <p:ph type="sldNum" idx="12"/>
+          </p:nvPr>
+        </p:nvSpPr>
+        <p:spPr/>
+        <p:txBody>
+          <a:bodyPr/>
+          <a:lstStyle/>
+          <a:p>
+            <a:pPr marL="0" lvl="0" indent="0" algn="ctr" rtl="0">
+              <a:spcBef>
+                <a:spcPts val="0"/>
+              </a:spcBef>
+              <a:spcAft>
+                <a:spcPts val="0"/>
+              </a:spcAft>
+              <a:buNone/>
+            </a:pPr>
+            <a:fld id="{00000000-1234-1234-1234-123412341234}" type="slidenum">
+              <a:rPr lang="en" smtClean="0"/>
+              <a:t>17</a:t>
+            </a:fld>
+            <a:endParaRPr lang="en"/>
+          </a:p>
+        </p:txBody>
+      </p:sp>
     </p:spTree>
     <p:extLst>
       <p:ext uri="{BB962C8B-B14F-4D97-AF65-F5344CB8AC3E}">
@@ -15922,6 +16176,44 @@
           </a:prstGeom>
         </p:spPr>
       </p:pic>
+      <p:sp>
+        <p:nvSpPr>
+          <p:cNvPr id="2" name="Slide Number Placeholder 1">
+            <a:extLst>
+              <a:ext uri="{FF2B5EF4-FFF2-40B4-BE49-F238E27FC236}">
+                <a16:creationId xmlns:a16="http://schemas.microsoft.com/office/drawing/2014/main" id="{0F1CE53C-16F8-4828-B346-2E58E9B18189}"/>
+              </a:ext>
+            </a:extLst>
+          </p:cNvPr>
+          <p:cNvSpPr>
+            <a:spLocks noGrp="1"/>
+          </p:cNvSpPr>
+          <p:nvPr>
+            <p:ph type="sldNum" idx="12"/>
+          </p:nvPr>
+        </p:nvSpPr>
+        <p:spPr/>
+        <p:txBody>
+          <a:bodyPr/>
+          <a:lstStyle/>
+          <a:p>
+            <a:pPr marL="0" lvl="0" indent="0" algn="ctr" rtl="0">
+              <a:spcBef>
+                <a:spcPts val="0"/>
+              </a:spcBef>
+              <a:spcAft>
+                <a:spcPts val="0"/>
+              </a:spcAft>
+              <a:buNone/>
+            </a:pPr>
+            <a:fld id="{00000000-1234-1234-1234-123412341234}" type="slidenum">
+              <a:rPr lang="en" smtClean="0"/>
+              <a:t>18</a:t>
+            </a:fld>
+            <a:endParaRPr lang="en"/>
+          </a:p>
+        </p:txBody>
+      </p:sp>
     </p:spTree>
     <p:extLst>
       <p:ext uri="{BB962C8B-B14F-4D97-AF65-F5344CB8AC3E}">
@@ -16167,6 +16459,44 @@
           </a:prstGeom>
         </p:spPr>
       </p:pic>
+      <p:sp>
+        <p:nvSpPr>
+          <p:cNvPr id="2" name="Slide Number Placeholder 1">
+            <a:extLst>
+              <a:ext uri="{FF2B5EF4-FFF2-40B4-BE49-F238E27FC236}">
+                <a16:creationId xmlns:a16="http://schemas.microsoft.com/office/drawing/2014/main" id="{DB607F53-4720-4C15-AB41-A38D84E9C571}"/>
+              </a:ext>
+            </a:extLst>
+          </p:cNvPr>
+          <p:cNvSpPr>
+            <a:spLocks noGrp="1"/>
+          </p:cNvSpPr>
+          <p:nvPr>
+            <p:ph type="sldNum" idx="12"/>
+          </p:nvPr>
+        </p:nvSpPr>
+        <p:spPr/>
+        <p:txBody>
+          <a:bodyPr/>
+          <a:lstStyle/>
+          <a:p>
+            <a:pPr marL="0" lvl="0" indent="0" algn="ctr" rtl="0">
+              <a:spcBef>
+                <a:spcPts val="0"/>
+              </a:spcBef>
+              <a:spcAft>
+                <a:spcPts val="0"/>
+              </a:spcAft>
+              <a:buNone/>
+            </a:pPr>
+            <a:fld id="{00000000-1234-1234-1234-123412341234}" type="slidenum">
+              <a:rPr lang="en" smtClean="0"/>
+              <a:t>19</a:t>
+            </a:fld>
+            <a:endParaRPr lang="en"/>
+          </a:p>
+        </p:txBody>
+      </p:sp>
     </p:spTree>
     <p:extLst>
       <p:ext uri="{BB962C8B-B14F-4D97-AF65-F5344CB8AC3E}">
@@ -16404,6 +16734,44 @@
           </a:p>
         </p:txBody>
       </p:sp>
+      <p:sp>
+        <p:nvSpPr>
+          <p:cNvPr id="2" name="Slide Number Placeholder 1">
+            <a:extLst>
+              <a:ext uri="{FF2B5EF4-FFF2-40B4-BE49-F238E27FC236}">
+                <a16:creationId xmlns:a16="http://schemas.microsoft.com/office/drawing/2014/main" id="{92454ECE-C2F8-4559-BF5A-1165963B2FA5}"/>
+              </a:ext>
+            </a:extLst>
+          </p:cNvPr>
+          <p:cNvSpPr>
+            <a:spLocks noGrp="1"/>
+          </p:cNvSpPr>
+          <p:nvPr>
+            <p:ph type="sldNum" idx="12"/>
+          </p:nvPr>
+        </p:nvSpPr>
+        <p:spPr/>
+        <p:txBody>
+          <a:bodyPr/>
+          <a:lstStyle/>
+          <a:p>
+            <a:pPr marL="0" lvl="0" indent="0" algn="ctr" rtl="0">
+              <a:spcBef>
+                <a:spcPts val="0"/>
+              </a:spcBef>
+              <a:spcAft>
+                <a:spcPts val="0"/>
+              </a:spcAft>
+              <a:buNone/>
+            </a:pPr>
+            <a:fld id="{00000000-1234-1234-1234-123412341234}" type="slidenum">
+              <a:rPr lang="en" smtClean="0"/>
+              <a:t>2</a:t>
+            </a:fld>
+            <a:endParaRPr lang="en"/>
+          </a:p>
+        </p:txBody>
+      </p:sp>
     </p:spTree>
     <p:extLst>
       <p:ext uri="{BB962C8B-B14F-4D97-AF65-F5344CB8AC3E}">
@@ -16707,6 +17075,44 @@
           </a:prstGeom>
         </p:spPr>
       </p:pic>
+      <p:sp>
+        <p:nvSpPr>
+          <p:cNvPr id="2" name="Slide Number Placeholder 1">
+            <a:extLst>
+              <a:ext uri="{FF2B5EF4-FFF2-40B4-BE49-F238E27FC236}">
+                <a16:creationId xmlns:a16="http://schemas.microsoft.com/office/drawing/2014/main" id="{1278FA76-3652-4511-8EC5-4D9D19D6D2AF}"/>
+              </a:ext>
+            </a:extLst>
+          </p:cNvPr>
+          <p:cNvSpPr>
+            <a:spLocks noGrp="1"/>
+          </p:cNvSpPr>
+          <p:nvPr>
+            <p:ph type="sldNum" idx="12"/>
+          </p:nvPr>
+        </p:nvSpPr>
+        <p:spPr/>
+        <p:txBody>
+          <a:bodyPr/>
+          <a:lstStyle/>
+          <a:p>
+            <a:pPr marL="0" lvl="0" indent="0" algn="ctr" rtl="0">
+              <a:spcBef>
+                <a:spcPts val="0"/>
+              </a:spcBef>
+              <a:spcAft>
+                <a:spcPts val="0"/>
+              </a:spcAft>
+              <a:buNone/>
+            </a:pPr>
+            <a:fld id="{00000000-1234-1234-1234-123412341234}" type="slidenum">
+              <a:rPr lang="en" smtClean="0"/>
+              <a:t>20</a:t>
+            </a:fld>
+            <a:endParaRPr lang="en"/>
+          </a:p>
+        </p:txBody>
+      </p:sp>
     </p:spTree>
     <p:extLst>
       <p:ext uri="{BB962C8B-B14F-4D97-AF65-F5344CB8AC3E}">
@@ -16967,6 +17373,44 @@
           </a:ln>
         </p:spPr>
       </p:pic>
+      <p:sp>
+        <p:nvSpPr>
+          <p:cNvPr id="2" name="Slide Number Placeholder 1">
+            <a:extLst>
+              <a:ext uri="{FF2B5EF4-FFF2-40B4-BE49-F238E27FC236}">
+                <a16:creationId xmlns:a16="http://schemas.microsoft.com/office/drawing/2014/main" id="{B344BB6F-F374-4B32-B324-7AF9690E0E5A}"/>
+              </a:ext>
+            </a:extLst>
+          </p:cNvPr>
+          <p:cNvSpPr>
+            <a:spLocks noGrp="1"/>
+          </p:cNvSpPr>
+          <p:nvPr>
+            <p:ph type="sldNum" idx="12"/>
+          </p:nvPr>
+        </p:nvSpPr>
+        <p:spPr/>
+        <p:txBody>
+          <a:bodyPr/>
+          <a:lstStyle/>
+          <a:p>
+            <a:pPr marL="0" lvl="0" indent="0" algn="ctr" rtl="0">
+              <a:spcBef>
+                <a:spcPts val="0"/>
+              </a:spcBef>
+              <a:spcAft>
+                <a:spcPts val="0"/>
+              </a:spcAft>
+              <a:buNone/>
+            </a:pPr>
+            <a:fld id="{00000000-1234-1234-1234-123412341234}" type="slidenum">
+              <a:rPr lang="en" smtClean="0"/>
+              <a:t>21</a:t>
+            </a:fld>
+            <a:endParaRPr lang="en"/>
+          </a:p>
+        </p:txBody>
+      </p:sp>
     </p:spTree>
     <p:extLst>
       <p:ext uri="{BB962C8B-B14F-4D97-AF65-F5344CB8AC3E}">
@@ -17203,6 +17647,44 @@
           </a:prstGeom>
         </p:spPr>
       </p:pic>
+      <p:sp>
+        <p:nvSpPr>
+          <p:cNvPr id="2" name="Slide Number Placeholder 1">
+            <a:extLst>
+              <a:ext uri="{FF2B5EF4-FFF2-40B4-BE49-F238E27FC236}">
+                <a16:creationId xmlns:a16="http://schemas.microsoft.com/office/drawing/2014/main" id="{7CED639A-67C0-4A58-A209-E3E39CA3A31F}"/>
+              </a:ext>
+            </a:extLst>
+          </p:cNvPr>
+          <p:cNvSpPr>
+            <a:spLocks noGrp="1"/>
+          </p:cNvSpPr>
+          <p:nvPr>
+            <p:ph type="sldNum" idx="12"/>
+          </p:nvPr>
+        </p:nvSpPr>
+        <p:spPr/>
+        <p:txBody>
+          <a:bodyPr/>
+          <a:lstStyle/>
+          <a:p>
+            <a:pPr marL="0" lvl="0" indent="0" algn="ctr" rtl="0">
+              <a:spcBef>
+                <a:spcPts val="0"/>
+              </a:spcBef>
+              <a:spcAft>
+                <a:spcPts val="0"/>
+              </a:spcAft>
+              <a:buNone/>
+            </a:pPr>
+            <a:fld id="{00000000-1234-1234-1234-123412341234}" type="slidenum">
+              <a:rPr lang="en" smtClean="0"/>
+              <a:t>22</a:t>
+            </a:fld>
+            <a:endParaRPr lang="en"/>
+          </a:p>
+        </p:txBody>
+      </p:sp>
     </p:spTree>
     <p:extLst>
       <p:ext uri="{BB962C8B-B14F-4D97-AF65-F5344CB8AC3E}">
@@ -17407,6 +17889,44 @@
           </a:p>
         </p:txBody>
       </p:sp>
+      <p:sp>
+        <p:nvSpPr>
+          <p:cNvPr id="2" name="Slide Number Placeholder 1">
+            <a:extLst>
+              <a:ext uri="{FF2B5EF4-FFF2-40B4-BE49-F238E27FC236}">
+                <a16:creationId xmlns:a16="http://schemas.microsoft.com/office/drawing/2014/main" id="{F466845F-2F7C-4E56-B31A-E635E2920D35}"/>
+              </a:ext>
+            </a:extLst>
+          </p:cNvPr>
+          <p:cNvSpPr>
+            <a:spLocks noGrp="1"/>
+          </p:cNvSpPr>
+          <p:nvPr>
+            <p:ph type="sldNum" idx="12"/>
+          </p:nvPr>
+        </p:nvSpPr>
+        <p:spPr/>
+        <p:txBody>
+          <a:bodyPr/>
+          <a:lstStyle/>
+          <a:p>
+            <a:pPr marL="0" lvl="0" indent="0" algn="ctr" rtl="0">
+              <a:spcBef>
+                <a:spcPts val="0"/>
+              </a:spcBef>
+              <a:spcAft>
+                <a:spcPts val="0"/>
+              </a:spcAft>
+              <a:buNone/>
+            </a:pPr>
+            <a:fld id="{00000000-1234-1234-1234-123412341234}" type="slidenum">
+              <a:rPr lang="en" smtClean="0"/>
+              <a:t>23</a:t>
+            </a:fld>
+            <a:endParaRPr lang="en"/>
+          </a:p>
+        </p:txBody>
+      </p:sp>
     </p:spTree>
     <p:extLst>
       <p:ext uri="{BB962C8B-B14F-4D97-AF65-F5344CB8AC3E}">
@@ -17766,6 +18286,44 @@
               </a:rPr>
               <a:t>Photo Printer made with SPIKE Prime in Python</a:t>
             </a:r>
+          </a:p>
+        </p:txBody>
+      </p:sp>
+      <p:sp>
+        <p:nvSpPr>
+          <p:cNvPr id="3" name="Slide Number Placeholder 2">
+            <a:extLst>
+              <a:ext uri="{FF2B5EF4-FFF2-40B4-BE49-F238E27FC236}">
+                <a16:creationId xmlns:a16="http://schemas.microsoft.com/office/drawing/2014/main" id="{A9BB9A01-11C6-485C-8D2A-1AB5FACAC598}"/>
+              </a:ext>
+            </a:extLst>
+          </p:cNvPr>
+          <p:cNvSpPr>
+            <a:spLocks noGrp="1"/>
+          </p:cNvSpPr>
+          <p:nvPr>
+            <p:ph type="sldNum" idx="12"/>
+          </p:nvPr>
+        </p:nvSpPr>
+        <p:spPr/>
+        <p:txBody>
+          <a:bodyPr/>
+          <a:lstStyle/>
+          <a:p>
+            <a:pPr marL="0" lvl="0" indent="0" algn="ctr" rtl="0">
+              <a:spcBef>
+                <a:spcPts val="0"/>
+              </a:spcBef>
+              <a:spcAft>
+                <a:spcPts val="0"/>
+              </a:spcAft>
+              <a:buNone/>
+            </a:pPr>
+            <a:fld id="{00000000-1234-1234-1234-123412341234}" type="slidenum">
+              <a:rPr lang="en" smtClean="0"/>
+              <a:t>24</a:t>
+            </a:fld>
+            <a:endParaRPr lang="en"/>
           </a:p>
         </p:txBody>
       </p:sp>
@@ -18180,6 +18738,44 @@
           </a:p>
         </p:txBody>
       </p:sp>
+      <p:sp>
+        <p:nvSpPr>
+          <p:cNvPr id="3" name="Slide Number Placeholder 2">
+            <a:extLst>
+              <a:ext uri="{FF2B5EF4-FFF2-40B4-BE49-F238E27FC236}">
+                <a16:creationId xmlns:a16="http://schemas.microsoft.com/office/drawing/2014/main" id="{A40A016B-20EC-4528-AE39-45E253305EB6}"/>
+              </a:ext>
+            </a:extLst>
+          </p:cNvPr>
+          <p:cNvSpPr>
+            <a:spLocks noGrp="1"/>
+          </p:cNvSpPr>
+          <p:nvPr>
+            <p:ph type="sldNum" idx="12"/>
+          </p:nvPr>
+        </p:nvSpPr>
+        <p:spPr/>
+        <p:txBody>
+          <a:bodyPr/>
+          <a:lstStyle/>
+          <a:p>
+            <a:pPr marL="0" lvl="0" indent="0" algn="ctr" rtl="0">
+              <a:spcBef>
+                <a:spcPts val="0"/>
+              </a:spcBef>
+              <a:spcAft>
+                <a:spcPts val="0"/>
+              </a:spcAft>
+              <a:buNone/>
+            </a:pPr>
+            <a:fld id="{00000000-1234-1234-1234-123412341234}" type="slidenum">
+              <a:rPr lang="en" smtClean="0"/>
+              <a:t>4</a:t>
+            </a:fld>
+            <a:endParaRPr lang="en"/>
+          </a:p>
+        </p:txBody>
+      </p:sp>
     </p:spTree>
     <p:extLst>
       <p:ext uri="{BB962C8B-B14F-4D97-AF65-F5344CB8AC3E}">
@@ -18484,6 +19080,44 @@
           </a:prstGeom>
         </p:spPr>
       </p:pic>
+      <p:sp>
+        <p:nvSpPr>
+          <p:cNvPr id="2" name="Slide Number Placeholder 1">
+            <a:extLst>
+              <a:ext uri="{FF2B5EF4-FFF2-40B4-BE49-F238E27FC236}">
+                <a16:creationId xmlns:a16="http://schemas.microsoft.com/office/drawing/2014/main" id="{8222A75F-3A57-4941-81E6-CA0C994898FE}"/>
+              </a:ext>
+            </a:extLst>
+          </p:cNvPr>
+          <p:cNvSpPr>
+            <a:spLocks noGrp="1"/>
+          </p:cNvSpPr>
+          <p:nvPr>
+            <p:ph type="sldNum" idx="12"/>
+          </p:nvPr>
+        </p:nvSpPr>
+        <p:spPr/>
+        <p:txBody>
+          <a:bodyPr/>
+          <a:lstStyle/>
+          <a:p>
+            <a:pPr marL="0" lvl="0" indent="0" algn="ctr" rtl="0">
+              <a:spcBef>
+                <a:spcPts val="0"/>
+              </a:spcBef>
+              <a:spcAft>
+                <a:spcPts val="0"/>
+              </a:spcAft>
+              <a:buNone/>
+            </a:pPr>
+            <a:fld id="{00000000-1234-1234-1234-123412341234}" type="slidenum">
+              <a:rPr lang="en" smtClean="0"/>
+              <a:t>5</a:t>
+            </a:fld>
+            <a:endParaRPr lang="en"/>
+          </a:p>
+        </p:txBody>
+      </p:sp>
     </p:spTree>
     <p:extLst>
       <p:ext uri="{BB962C8B-B14F-4D97-AF65-F5344CB8AC3E}">
@@ -18796,6 +19430,44 @@
           </a:prstGeom>
         </p:spPr>
       </p:pic>
+      <p:sp>
+        <p:nvSpPr>
+          <p:cNvPr id="2" name="Slide Number Placeholder 1">
+            <a:extLst>
+              <a:ext uri="{FF2B5EF4-FFF2-40B4-BE49-F238E27FC236}">
+                <a16:creationId xmlns:a16="http://schemas.microsoft.com/office/drawing/2014/main" id="{D7394E7A-84AC-4B75-82AF-25897B589877}"/>
+              </a:ext>
+            </a:extLst>
+          </p:cNvPr>
+          <p:cNvSpPr>
+            <a:spLocks noGrp="1"/>
+          </p:cNvSpPr>
+          <p:nvPr>
+            <p:ph type="sldNum" idx="12"/>
+          </p:nvPr>
+        </p:nvSpPr>
+        <p:spPr/>
+        <p:txBody>
+          <a:bodyPr/>
+          <a:lstStyle/>
+          <a:p>
+            <a:pPr marL="0" lvl="0" indent="0" algn="ctr" rtl="0">
+              <a:spcBef>
+                <a:spcPts val="0"/>
+              </a:spcBef>
+              <a:spcAft>
+                <a:spcPts val="0"/>
+              </a:spcAft>
+              <a:buNone/>
+            </a:pPr>
+            <a:fld id="{00000000-1234-1234-1234-123412341234}" type="slidenum">
+              <a:rPr lang="en" smtClean="0"/>
+              <a:t>6</a:t>
+            </a:fld>
+            <a:endParaRPr lang="en"/>
+          </a:p>
+        </p:txBody>
+      </p:sp>
     </p:spTree>
     <p:extLst>
       <p:ext uri="{BB962C8B-B14F-4D97-AF65-F5344CB8AC3E}">
@@ -19275,6 +19947,44 @@
           </a:ln>
         </p:spPr>
       </p:pic>
+      <p:sp>
+        <p:nvSpPr>
+          <p:cNvPr id="2" name="Slide Number Placeholder 1">
+            <a:extLst>
+              <a:ext uri="{FF2B5EF4-FFF2-40B4-BE49-F238E27FC236}">
+                <a16:creationId xmlns:a16="http://schemas.microsoft.com/office/drawing/2014/main" id="{F80F1252-CA67-4B77-A70C-F7463CA59C33}"/>
+              </a:ext>
+            </a:extLst>
+          </p:cNvPr>
+          <p:cNvSpPr>
+            <a:spLocks noGrp="1"/>
+          </p:cNvSpPr>
+          <p:nvPr>
+            <p:ph type="sldNum" idx="12"/>
+          </p:nvPr>
+        </p:nvSpPr>
+        <p:spPr/>
+        <p:txBody>
+          <a:bodyPr/>
+          <a:lstStyle/>
+          <a:p>
+            <a:pPr marL="0" lvl="0" indent="0" algn="ctr" rtl="0">
+              <a:spcBef>
+                <a:spcPts val="0"/>
+              </a:spcBef>
+              <a:spcAft>
+                <a:spcPts val="0"/>
+              </a:spcAft>
+              <a:buNone/>
+            </a:pPr>
+            <a:fld id="{00000000-1234-1234-1234-123412341234}" type="slidenum">
+              <a:rPr lang="en" smtClean="0"/>
+              <a:t>8</a:t>
+            </a:fld>
+            <a:endParaRPr lang="en"/>
+          </a:p>
+        </p:txBody>
+      </p:sp>
     </p:spTree>
     <p:extLst>
       <p:ext uri="{BB962C8B-B14F-4D97-AF65-F5344CB8AC3E}">
@@ -19488,6 +20198,44 @@
           </a:prstGeom>
         </p:spPr>
       </p:pic>
+      <p:sp>
+        <p:nvSpPr>
+          <p:cNvPr id="2" name="Slide Number Placeholder 1">
+            <a:extLst>
+              <a:ext uri="{FF2B5EF4-FFF2-40B4-BE49-F238E27FC236}">
+                <a16:creationId xmlns:a16="http://schemas.microsoft.com/office/drawing/2014/main" id="{4E4B20FB-AC25-447D-AE52-BBFDB9FD5642}"/>
+              </a:ext>
+            </a:extLst>
+          </p:cNvPr>
+          <p:cNvSpPr>
+            <a:spLocks noGrp="1"/>
+          </p:cNvSpPr>
+          <p:nvPr>
+            <p:ph type="sldNum" idx="12"/>
+          </p:nvPr>
+        </p:nvSpPr>
+        <p:spPr/>
+        <p:txBody>
+          <a:bodyPr/>
+          <a:lstStyle/>
+          <a:p>
+            <a:pPr marL="0" lvl="0" indent="0" algn="ctr" rtl="0">
+              <a:spcBef>
+                <a:spcPts val="0"/>
+              </a:spcBef>
+              <a:spcAft>
+                <a:spcPts val="0"/>
+              </a:spcAft>
+              <a:buNone/>
+            </a:pPr>
+            <a:fld id="{00000000-1234-1234-1234-123412341234}" type="slidenum">
+              <a:rPr lang="en" smtClean="0"/>
+              <a:t>9</a:t>
+            </a:fld>
+            <a:endParaRPr lang="en"/>
+          </a:p>
+        </p:txBody>
+      </p:sp>
     </p:spTree>
     <p:extLst>
       <p:ext uri="{BB962C8B-B14F-4D97-AF65-F5344CB8AC3E}">
